--- a/multi-format.pptx
+++ b/multi-format.pptx
@@ -3187,66 +3187,22 @@
           <a:bodyPr/>
           <a:lstStyle/>
           <a:p>
-            <a:pPr lvl="0" indent="0" marL="0">
+            <a:pPr lvl="0" indent="0" marL="1270000">
               <a:buNone/>
             </a:pPr>
             <a:r>
-              <a:rPr/>
-              <a:t>Markdown is just a plain text format that is designed to be easy to write, and, even more importantly, easy to read.</a:t>
-            </a:r>
-          </a:p>
-          <a:p>
-            <a:pPr lvl="0" indent="0" marL="0">
-              <a:buNone/>
-            </a:pPr>
-            <a:r>
-              <a:rPr/>
-              <a:t>For example:</a:t>
-            </a:r>
-          </a:p>
-          <a:p>
-            <a:pPr lvl="0" indent="0">
-              <a:buNone/>
-            </a:pPr>
-            <a:r>
-              <a:rPr>
-                <a:solidFill>
-                  <a:srgbClr val="4758AB"/>
-                </a:solidFill>
+              <a:rPr sz="2000"/>
+              <a:t>As you can see on the right of your screen, files of different formats have been generated along with this </a:t>
+            </a:r>
+            <a:r>
+              <a:rPr sz="2000">
                 <a:latin typeface="Courier"/>
               </a:rPr>
-              <a:t>## Hello world</a:t>
-            </a:r>
-            <a:br/>
-            <a:br/>
-            <a:r>
-              <a:rPr>
-                <a:solidFill>
-                  <a:srgbClr val="657422"/>
-                </a:solidFill>
-                <a:latin typeface="Courier"/>
-              </a:rPr>
-              <a:t>&gt; The world is nice.</a:t>
-            </a:r>
-            <a:br/>
-            <a:br/>
-            <a:r>
-              <a:rPr>
-                <a:solidFill>
-                  <a:srgbClr val="003B4F"/>
-                </a:solidFill>
-                <a:latin typeface="Courier"/>
-              </a:rPr>
-              <a:t>And this is **important** to _note_.</a:t>
-            </a:r>
-          </a:p>
-          <a:p>
-            <a:pPr lvl="0" indent="0" marL="0">
-              <a:buNone/>
-            </a:pPr>
-            <a:r>
-              <a:rPr/>
-              <a:t>Will be rendered like this.</a:t>
+              <a:t>html</a:t>
+            </a:r>
+            <a:r>
+              <a:rPr sz="2000"/>
+              <a:t> page.</a:t>
             </a:r>
           </a:p>
         </p:txBody>
@@ -3293,25 +3249,100 @@
             </a:pPr>
             <a:r>
               <a:rPr/>
+              <a:t>Some markdown content</a:t>
+            </a:r>
+          </a:p>
+        </p:txBody>
+      </p:sp>
+      <p:sp>
+        <p:nvSpPr>
+          <p:cNvPr id="3" name="Content Placeholder 2"/>
+          <p:cNvSpPr>
+            <a:spLocks noGrp="1"/>
+          </p:cNvSpPr>
+          <p:nvPr>
+            <p:ph idx="1"/>
+          </p:nvPr>
+        </p:nvSpPr>
+        <p:spPr/>
+        <p:txBody>
+          <a:bodyPr/>
+          <a:lstStyle/>
+          <a:p>
+            <a:pPr lvl="0" indent="0" marL="0">
+              <a:buNone/>
+            </a:pPr>
+            <a:r>
+              <a:rPr/>
+              <a:t>Markdown is just a plain text format that is designed to be easy to write, and, even more importantly, easy to read.</a:t>
+            </a:r>
+          </a:p>
+          <a:p>
+            <a:pPr lvl="0" indent="0" marL="0">
+              <a:buNone/>
+            </a:pPr>
+            <a:r>
+              <a:rPr/>
+              <a:t>For example:</a:t>
+            </a:r>
+          </a:p>
+          <a:p>
+            <a:pPr lvl="0" indent="0">
+              <a:buNone/>
+            </a:pPr>
+            <a:r>
+              <a:rPr>
+                <a:solidFill>
+                  <a:srgbClr val="4758AB"/>
+                </a:solidFill>
+                <a:latin typeface="Courier"/>
+              </a:rPr>
+              <a:t>## Hello world</a:t>
+            </a:r>
+            <a:br/>
+            <a:br/>
+            <a:r>
+              <a:rPr>
+                <a:solidFill>
+                  <a:srgbClr val="657422"/>
+                </a:solidFill>
+                <a:latin typeface="Courier"/>
+              </a:rPr>
+              <a:t>&gt; The world is nice.</a:t>
+            </a:r>
+            <a:br/>
+            <a:br/>
+            <a:r>
+              <a:rPr>
+                <a:solidFill>
+                  <a:srgbClr val="003B4F"/>
+                </a:solidFill>
+                <a:latin typeface="Courier"/>
+              </a:rPr>
+              <a:t>And this is **important** to _note_.</a:t>
+            </a:r>
+          </a:p>
+          <a:p>
+            <a:pPr lvl="0" indent="0" marL="0">
+              <a:buNone/>
+            </a:pPr>
+            <a:r>
+              <a:rPr/>
+              <a:t>Will be rendered like this.</a:t>
+            </a:r>
+          </a:p>
+          <a:p>
+            <a:pPr lvl="0" indent="0" marL="0">
+              <a:spcBef>
+                <a:spcPts val="3000"/>
+              </a:spcBef>
+              <a:buNone/>
+            </a:pPr>
+            <a:r>
+              <a:rPr b="1"/>
               <a:t>Hello world</a:t>
             </a:r>
           </a:p>
-        </p:txBody>
-      </p:sp>
-      <p:sp>
-        <p:nvSpPr>
-          <p:cNvPr id="3" name="Content Placeholder 2"/>
-          <p:cNvSpPr>
-            <a:spLocks noGrp="1"/>
-          </p:cNvSpPr>
-          <p:nvPr>
-            <p:ph idx="1"/>
-          </p:nvPr>
-        </p:nvSpPr>
-        <p:spPr/>
-        <p:txBody>
-          <a:bodyPr/>
-          <a:lstStyle/>
           <a:p>
             <a:pPr lvl="0" indent="0" marL="1270000">
               <a:buNone/>
